--- a/docs/初赛.pptx
+++ b/docs/初赛.pptx
@@ -561,7 +561,7 @@
           <a:p>
             <a:fld id="{54E41515-7724-45AA-9F62-E2A1D5C4DDBF}" type="datetimeFigureOut">
               <a:rPr lang="zh-CN" altLang="en-US" smtClean="0"/>
-              <a:t>2022/7/22</a:t>
+              <a:t>2022/7/30</a:t>
             </a:fld>
             <a:endParaRPr lang="zh-CN" altLang="en-US"/>
           </a:p>
@@ -739,7 +739,7 @@
           <a:p>
             <a:fld id="{62C79BC3-7F3D-48AF-B3B5-B3739F8935B9}" type="datetimeFigureOut">
               <a:rPr lang="zh-CN" altLang="en-US" smtClean="0"/>
-              <a:t>2022/7/22</a:t>
+              <a:t>2022/7/30</a:t>
             </a:fld>
             <a:endParaRPr lang="zh-CN" altLang="en-US"/>
           </a:p>
@@ -2508,7 +2508,7 @@
           <a:p>
             <a:fld id="{03777AE5-4C9D-408E-93B0-972F1AC64C57}" type="datetime1">
               <a:rPr lang="zh-CN" altLang="en-US" smtClean="0"/>
-              <a:t>2022/7/22</a:t>
+              <a:t>2022/7/30</a:t>
             </a:fld>
             <a:endParaRPr lang="zh-CN" altLang="en-US"/>
           </a:p>
@@ -2711,7 +2711,7 @@
           <a:p>
             <a:fld id="{3B2CE286-BECB-4C3F-8B16-3F124DBF719F}" type="datetime1">
               <a:rPr lang="zh-CN" altLang="en-US" smtClean="0"/>
-              <a:t>2022/7/22</a:t>
+              <a:t>2022/7/30</a:t>
             </a:fld>
             <a:endParaRPr lang="zh-CN" altLang="en-US"/>
           </a:p>
@@ -2914,7 +2914,7 @@
           <a:p>
             <a:fld id="{A8E30C83-5363-4D5D-9B86-097C2F8D0762}" type="datetime1">
               <a:rPr lang="zh-CN" altLang="en-US" smtClean="0"/>
-              <a:t>2022/7/22</a:t>
+              <a:t>2022/7/30</a:t>
             </a:fld>
             <a:endParaRPr lang="zh-CN" altLang="en-US"/>
           </a:p>
@@ -3117,7 +3117,7 @@
           <a:p>
             <a:fld id="{D67B0AD6-BB4F-4620-B9E6-B838C176277C}" type="datetime1">
               <a:rPr lang="zh-CN" altLang="en-US" smtClean="0"/>
-              <a:t>2022/7/22</a:t>
+              <a:t>2022/7/30</a:t>
             </a:fld>
             <a:endParaRPr lang="zh-CN" altLang="en-US"/>
           </a:p>
@@ -3392,7 +3392,7 @@
           <a:p>
             <a:fld id="{C8C44D8A-2681-4CF1-AC23-A23410F1648C}" type="datetime1">
               <a:rPr lang="zh-CN" altLang="en-US" smtClean="0"/>
-              <a:t>2022/7/22</a:t>
+              <a:t>2022/7/30</a:t>
             </a:fld>
             <a:endParaRPr lang="zh-CN" altLang="en-US"/>
           </a:p>
@@ -3654,7 +3654,7 @@
           <a:p>
             <a:fld id="{5F2994AD-E210-4758-9013-A0A1D0D5FA1A}" type="datetime1">
               <a:rPr lang="zh-CN" altLang="en-US" smtClean="0"/>
-              <a:t>2022/7/22</a:t>
+              <a:t>2022/7/30</a:t>
             </a:fld>
             <a:endParaRPr lang="zh-CN" altLang="en-US"/>
           </a:p>
@@ -4052,7 +4052,7 @@
           <a:p>
             <a:fld id="{9343E727-1729-4DE9-BF2A-9E3C3B1A57A4}" type="datetime1">
               <a:rPr lang="zh-CN" altLang="en-US" smtClean="0"/>
-              <a:t>2022/7/22</a:t>
+              <a:t>2022/7/30</a:t>
             </a:fld>
             <a:endParaRPr lang="zh-CN" altLang="en-US"/>
           </a:p>
@@ -4196,7 +4196,7 @@
           <a:p>
             <a:fld id="{4B15AA07-32CF-4BD0-AA4C-568B04AF3F1C}" type="datetime1">
               <a:rPr lang="zh-CN" altLang="en-US" smtClean="0"/>
-              <a:t>2022/7/22</a:t>
+              <a:t>2022/7/30</a:t>
             </a:fld>
             <a:endParaRPr lang="zh-CN" altLang="en-US"/>
           </a:p>
@@ -4310,7 +4310,7 @@
           <a:p>
             <a:fld id="{3EA0F75D-1AB0-46FD-8362-A9D1C2C215B4}" type="datetime1">
               <a:rPr lang="zh-CN" altLang="en-US" smtClean="0"/>
-              <a:t>2022/7/22</a:t>
+              <a:t>2022/7/30</a:t>
             </a:fld>
             <a:endParaRPr lang="zh-CN" altLang="en-US"/>
           </a:p>
@@ -4613,7 +4613,7 @@
           <a:p>
             <a:fld id="{6CB994B2-29FF-4C16-B318-5118C6EC61CF}" type="datetime1">
               <a:rPr lang="zh-CN" altLang="en-US" smtClean="0"/>
-              <a:t>2022/7/22</a:t>
+              <a:t>2022/7/30</a:t>
             </a:fld>
             <a:endParaRPr lang="zh-CN" altLang="en-US"/>
           </a:p>
@@ -4893,7 +4893,7 @@
           <a:p>
             <a:fld id="{5F3D7980-0558-4CD8-B4D2-185F22072871}" type="datetime1">
               <a:rPr lang="zh-CN" altLang="en-US" smtClean="0"/>
-              <a:t>2022/7/22</a:t>
+              <a:t>2022/7/30</a:t>
             </a:fld>
             <a:endParaRPr lang="zh-CN" altLang="en-US"/>
           </a:p>
@@ -6372,7 +6372,31 @@
             </a:r>
             <a:r>
               <a:rPr lang="zh-CN" altLang="en-US" dirty="0"/>
-              <a:t>单通道旋转、翻转，包括原图像共</a:t>
+              <a:t>单通道旋转、翻转（有</a:t>
+            </a:r>
+            <a:r>
+              <a:rPr lang="en-US" altLang="zh-CN" dirty="0"/>
+              <a:t>Bayer</a:t>
+            </a:r>
+            <a:r>
+              <a:rPr lang="zh-CN" altLang="en-US" dirty="0"/>
+              <a:t>保护，</a:t>
+            </a:r>
+            <a:r>
+              <a:rPr lang="en-US" altLang="zh-CN" dirty="0"/>
+              <a:t>4</a:t>
+            </a:r>
+            <a:r>
+              <a:rPr lang="zh-CN" altLang="en-US" dirty="0"/>
+              <a:t>通道做</a:t>
+            </a:r>
+            <a:r>
+              <a:rPr lang="en-US" altLang="zh-CN" dirty="0"/>
+              <a:t>TTA</a:t>
+            </a:r>
+            <a:r>
+              <a:rPr lang="zh-CN" altLang="en-US" dirty="0"/>
+              <a:t>会降分），包括原图像共</a:t>
             </a:r>
             <a:r>
               <a:rPr lang="en-US" altLang="zh-CN" dirty="0"/>
@@ -12345,8 +12369,20 @@
               <a:buChar char="•"/>
             </a:pPr>
             <a:r>
+              <a:rPr lang="zh-CN" altLang="en-US" dirty="0"/>
+              <a:t> 用比赛数据的预训练模型测试</a:t>
+            </a:r>
+            <a:r>
               <a:rPr lang="en-US" altLang="zh-CN" dirty="0"/>
-              <a:t> </a:t>
+              <a:t>SIDD</a:t>
+            </a:r>
+            <a:r>
+              <a:rPr lang="zh-CN" altLang="en-US" dirty="0"/>
+              <a:t>数据，根据</a:t>
+            </a:r>
+            <a:r>
+              <a:rPr lang="en-US" altLang="zh-CN" dirty="0"/>
+              <a:t>PSNR</a:t>
             </a:r>
             <a:r>
               <a:rPr lang="zh-CN" altLang="en-US" dirty="0">
@@ -12354,7 +12390,7 @@
                   <a:srgbClr val="FF0000"/>
                 </a:solidFill>
               </a:rPr>
-              <a:t>统一</a:t>
+              <a:t>筛选</a:t>
             </a:r>
             <a:r>
               <a:rPr lang="en-US" altLang="zh-CN" dirty="0">
@@ -12362,7 +12398,7 @@
                   <a:srgbClr val="FF0000"/>
                 </a:solidFill>
               </a:rPr>
-              <a:t>Bayer</a:t>
+              <a:t>SIDD</a:t>
             </a:r>
             <a:r>
               <a:rPr lang="zh-CN" altLang="en-US" dirty="0">
@@ -12370,17 +12406,16 @@
                   <a:srgbClr val="FF0000"/>
                 </a:solidFill>
               </a:rPr>
-              <a:t>图案</a:t>
-            </a:r>
-            <a:r>
-              <a:rPr lang="en-US" altLang="zh-CN" dirty="0"/>
-              <a:t>[1]</a:t>
+              <a:t>数据</a:t>
             </a:r>
             <a:r>
               <a:rPr lang="zh-CN" altLang="en-US" dirty="0"/>
               <a:t>。</a:t>
             </a:r>
-            <a:endParaRPr lang="en-US" altLang="zh-CN" dirty="0"/>
+            <a:r>
+              <a:rPr lang="en-US" altLang="zh-CN" dirty="0"/>
+              <a:t> </a:t>
+            </a:r>
           </a:p>
           <a:p>
             <a:pPr marL="742950" lvl="1" indent="-285750">
@@ -12391,28 +12426,12 @@
               <a:buChar char="•"/>
             </a:pPr>
             <a:r>
-              <a:rPr lang="zh-CN" altLang="en-US" dirty="0"/>
-              <a:t> 用比赛数据的预训练模型测试</a:t>
-            </a:r>
-            <a:r>
-              <a:rPr lang="en-US" altLang="zh-CN" dirty="0"/>
-              <a:t>SIDD</a:t>
-            </a:r>
-            <a:r>
-              <a:rPr lang="zh-CN" altLang="en-US" dirty="0"/>
-              <a:t>数据，根据</a:t>
-            </a:r>
-            <a:r>
-              <a:rPr lang="en-US" altLang="zh-CN" dirty="0"/>
-              <a:t>PSNR</a:t>
-            </a:r>
-            <a:r>
               <a:rPr lang="zh-CN" altLang="en-US" dirty="0">
                 <a:solidFill>
                   <a:srgbClr val="FF0000"/>
                 </a:solidFill>
               </a:rPr>
-              <a:t>筛选</a:t>
+              <a:t>统一</a:t>
             </a:r>
             <a:r>
               <a:rPr lang="en-US" altLang="zh-CN" dirty="0">
@@ -12428,12 +12447,33 @@
                   <a:srgbClr val="FF0000"/>
                 </a:solidFill>
               </a:rPr>
-              <a:t>数据</a:t>
+              <a:t>数据的</a:t>
+            </a:r>
+            <a:r>
+              <a:rPr lang="en-US" altLang="zh-CN" dirty="0">
+                <a:solidFill>
+                  <a:srgbClr val="FF0000"/>
+                </a:solidFill>
+              </a:rPr>
+              <a:t>Bayer</a:t>
+            </a:r>
+            <a:r>
+              <a:rPr lang="zh-CN" altLang="en-US" dirty="0">
+                <a:solidFill>
+                  <a:srgbClr val="FF0000"/>
+                </a:solidFill>
+              </a:rPr>
+              <a:t>图案</a:t>
+            </a:r>
+            <a:r>
+              <a:rPr lang="en-US" altLang="zh-CN" dirty="0"/>
+              <a:t>[1]</a:t>
             </a:r>
             <a:r>
               <a:rPr lang="zh-CN" altLang="en-US" dirty="0"/>
               <a:t>。</a:t>
             </a:r>
+            <a:endParaRPr lang="en-US" altLang="zh-CN" dirty="0"/>
           </a:p>
         </p:txBody>
       </p:sp>
@@ -12729,7 +12769,23 @@
             </a:pPr>
             <a:r>
               <a:rPr lang="zh-CN" altLang="en-US" dirty="0"/>
-              <a:t>几何增广</a:t>
+              <a:t>有</a:t>
+            </a:r>
+            <a:r>
+              <a:rPr lang="en-US" altLang="zh-CN" dirty="0"/>
+              <a:t>Bayer</a:t>
+            </a:r>
+            <a:r>
+              <a:rPr lang="zh-CN" altLang="en-US" dirty="0"/>
+              <a:t>保护</a:t>
+            </a:r>
+            <a:r>
+              <a:rPr lang="en-US" altLang="zh-CN" dirty="0"/>
+              <a:t>[1]</a:t>
+            </a:r>
+            <a:r>
+              <a:rPr lang="zh-CN" altLang="en-US" dirty="0"/>
+              <a:t>的几何增广</a:t>
             </a:r>
             <a:endParaRPr lang="en-US" altLang="zh-CN" dirty="0"/>
           </a:p>
@@ -12813,7 +12869,7 @@
             </a:r>
             <a:r>
               <a:rPr lang="en-US" altLang="zh-CN" dirty="0"/>
-              <a:t>[1]</a:t>
+              <a:t>[2]</a:t>
             </a:r>
           </a:p>
           <a:p>
@@ -12866,8 +12922,8 @@
         </p:nvSpPr>
         <p:spPr>
           <a:xfrm>
-            <a:off x="128587" y="6419761"/>
-            <a:ext cx="11934825" cy="338554"/>
+            <a:off x="0" y="6220436"/>
+            <a:ext cx="11934825" cy="584775"/>
           </a:xfrm>
           <a:prstGeom prst="rect">
             <a:avLst/>
@@ -12881,7 +12937,13 @@
           <a:p>
             <a:r>
               <a:rPr lang="en-US" altLang="zh-CN" sz="1600" dirty="0"/>
-              <a:t>[1] </a:t>
+              <a:t>[1] Jiaming Liu et al. “Learning Raw Image Denoising With Bayer Pattern Unification and Bayer Preserving Augmentation”. </a:t>
+            </a:r>
+          </a:p>
+          <a:p>
+            <a:r>
+              <a:rPr lang="en-US" altLang="zh-CN" sz="1600" dirty="0"/>
+              <a:t>[2] </a:t>
             </a:r>
             <a:r>
               <a:rPr lang="en-US" altLang="zh-CN" sz="1600" dirty="0" err="1">
